--- a/challenge essay.pptx
+++ b/challenge essay.pptx
@@ -213,7 +213,7 @@
           <a:p>
             <a:fld id="{A25DBA4C-528D-D844-9C53-C5697639A568}" type="datetimeFigureOut">
               <a:rPr lang="it-IT" smtClean="0"/>
-              <a:t>25/01/2023</a:t>
+              <a:t>20/02/2023</a:t>
             </a:fld>
             <a:endParaRPr lang="it-IT"/>
           </a:p>
@@ -660,7 +660,7 @@
             <a:fld id="{3D9A9A6A-8F41-4F66-BBA0-DB91B065751A}" type="datetimeFigureOut">
               <a:rPr lang="it-IT" smtClean="0"/>
               <a:pPr/>
-              <a:t>25/01/2023</a:t>
+              <a:t>20/02/2023</a:t>
             </a:fld>
             <a:endParaRPr lang="it-IT"/>
           </a:p>
@@ -825,7 +825,7 @@
             <a:fld id="{3D9A9A6A-8F41-4F66-BBA0-DB91B065751A}" type="datetimeFigureOut">
               <a:rPr lang="it-IT" smtClean="0"/>
               <a:pPr/>
-              <a:t>25/01/2023</a:t>
+              <a:t>20/02/2023</a:t>
             </a:fld>
             <a:endParaRPr lang="it-IT"/>
           </a:p>
@@ -1000,7 +1000,7 @@
             <a:fld id="{3D9A9A6A-8F41-4F66-BBA0-DB91B065751A}" type="datetimeFigureOut">
               <a:rPr lang="it-IT" smtClean="0"/>
               <a:pPr/>
-              <a:t>25/01/2023</a:t>
+              <a:t>20/02/2023</a:t>
             </a:fld>
             <a:endParaRPr lang="it-IT"/>
           </a:p>
@@ -1165,7 +1165,7 @@
             <a:fld id="{3D9A9A6A-8F41-4F66-BBA0-DB91B065751A}" type="datetimeFigureOut">
               <a:rPr lang="it-IT" smtClean="0"/>
               <a:pPr/>
-              <a:t>25/01/2023</a:t>
+              <a:t>20/02/2023</a:t>
             </a:fld>
             <a:endParaRPr lang="it-IT"/>
           </a:p>
@@ -1407,7 +1407,7 @@
             <a:fld id="{3D9A9A6A-8F41-4F66-BBA0-DB91B065751A}" type="datetimeFigureOut">
               <a:rPr lang="it-IT" smtClean="0"/>
               <a:pPr/>
-              <a:t>25/01/2023</a:t>
+              <a:t>20/02/2023</a:t>
             </a:fld>
             <a:endParaRPr lang="it-IT"/>
           </a:p>
@@ -1689,7 +1689,7 @@
             <a:fld id="{3D9A9A6A-8F41-4F66-BBA0-DB91B065751A}" type="datetimeFigureOut">
               <a:rPr lang="it-IT" smtClean="0"/>
               <a:pPr/>
-              <a:t>25/01/2023</a:t>
+              <a:t>20/02/2023</a:t>
             </a:fld>
             <a:endParaRPr lang="it-IT"/>
           </a:p>
@@ -2105,7 +2105,7 @@
             <a:fld id="{3D9A9A6A-8F41-4F66-BBA0-DB91B065751A}" type="datetimeFigureOut">
               <a:rPr lang="it-IT" smtClean="0"/>
               <a:pPr/>
-              <a:t>25/01/2023</a:t>
+              <a:t>20/02/2023</a:t>
             </a:fld>
             <a:endParaRPr lang="it-IT"/>
           </a:p>
@@ -2219,7 +2219,7 @@
             <a:fld id="{3D9A9A6A-8F41-4F66-BBA0-DB91B065751A}" type="datetimeFigureOut">
               <a:rPr lang="it-IT" smtClean="0"/>
               <a:pPr/>
-              <a:t>25/01/2023</a:t>
+              <a:t>20/02/2023</a:t>
             </a:fld>
             <a:endParaRPr lang="it-IT"/>
           </a:p>
@@ -2311,7 +2311,7 @@
             <a:fld id="{3D9A9A6A-8F41-4F66-BBA0-DB91B065751A}" type="datetimeFigureOut">
               <a:rPr lang="it-IT" smtClean="0"/>
               <a:pPr/>
-              <a:t>25/01/2023</a:t>
+              <a:t>20/02/2023</a:t>
             </a:fld>
             <a:endParaRPr lang="it-IT"/>
           </a:p>
@@ -2583,7 +2583,7 @@
             <a:fld id="{3D9A9A6A-8F41-4F66-BBA0-DB91B065751A}" type="datetimeFigureOut">
               <a:rPr lang="it-IT" smtClean="0"/>
               <a:pPr/>
-              <a:t>25/01/2023</a:t>
+              <a:t>20/02/2023</a:t>
             </a:fld>
             <a:endParaRPr lang="it-IT"/>
           </a:p>
@@ -2832,7 +2832,7 @@
             <a:fld id="{3D9A9A6A-8F41-4F66-BBA0-DB91B065751A}" type="datetimeFigureOut">
               <a:rPr lang="it-IT" smtClean="0"/>
               <a:pPr/>
-              <a:t>25/01/2023</a:t>
+              <a:t>20/02/2023</a:t>
             </a:fld>
             <a:endParaRPr lang="it-IT"/>
           </a:p>
@@ -3040,7 +3040,7 @@
             <a:fld id="{3D9A9A6A-8F41-4F66-BBA0-DB91B065751A}" type="datetimeFigureOut">
               <a:rPr lang="it-IT" smtClean="0"/>
               <a:pPr/>
-              <a:t>25/01/2023</a:t>
+              <a:t>20/02/2023</a:t>
             </a:fld>
             <a:endParaRPr lang="it-IT"/>
           </a:p>
@@ -3769,7 +3769,7 @@
           <a:noFill/>
           <a:extLst>
             <a:ext uri="{909E8E84-426E-40dd-AFC4-6F175D3DCCD1}">
-              <a14:hiddenFill xmlns="" xmlns:a14="http://schemas.microsoft.com/office/drawing/2010/main">
+              <a14:hiddenFill xmlns:a14="http://schemas.microsoft.com/office/drawing/2010/main" xmlns="">
                 <a:solidFill>
                   <a:srgbClr val="FFFFFF"/>
                 </a:solidFill>
@@ -4057,7 +4057,7 @@
           <a:noFill/>
           <a:extLst>
             <a:ext uri="{909E8E84-426E-40dd-AFC4-6F175D3DCCD1}">
-              <a14:hiddenFill xmlns="" xmlns:a14="http://schemas.microsoft.com/office/drawing/2010/main">
+              <a14:hiddenFill xmlns:a14="http://schemas.microsoft.com/office/drawing/2010/main" xmlns="">
                 <a:solidFill>
                   <a:srgbClr val="FFFFFF"/>
                 </a:solidFill>
@@ -4572,7 +4572,7 @@
           <a:noFill/>
           <a:extLst>
             <a:ext uri="{909E8E84-426E-40dd-AFC4-6F175D3DCCD1}">
-              <a14:hiddenFill xmlns="" xmlns:a14="http://schemas.microsoft.com/office/drawing/2010/main">
+              <a14:hiddenFill xmlns:a14="http://schemas.microsoft.com/office/drawing/2010/main" xmlns="">
                 <a:solidFill>
                   <a:srgbClr val="FFFFFF"/>
                 </a:solidFill>
@@ -4824,7 +4824,7 @@
       </p:sp>
       <p:pic>
         <p:nvPicPr>
-          <p:cNvPr id="5" name="Picture 2" descr="C:\Bruno\campus\unina\Stationery\Dipartimenti\DIETI\Logo_DIETI_Porte.png"/>
+          <p:cNvPr id="5" name="Picture 2 1" descr="C:\Bruno\campus\unina\Stationery\Dipartimenti\DIETI\Logo_DIETI_Porte.png"/>
           <p:cNvPicPr>
             <a:picLocks noChangeAspect="1" noChangeArrowheads="1"/>
           </p:cNvPicPr>
@@ -4854,7 +4854,7 @@
           <a:noFill/>
           <a:extLst>
             <a:ext uri="{909E8E84-426E-40dd-AFC4-6F175D3DCCD1}">
-              <a14:hiddenFill xmlns="" xmlns:a14="http://schemas.microsoft.com/office/drawing/2010/main">
+              <a14:hiddenFill xmlns:a14="http://schemas.microsoft.com/office/drawing/2010/main" xmlns="">
                 <a:solidFill>
                   <a:srgbClr val="FFFFFF"/>
                 </a:solidFill>
@@ -4968,7 +4968,7 @@
       </p:sp>
       <p:pic>
         <p:nvPicPr>
-          <p:cNvPr id="3" name="Immagine 2">
+          <p:cNvPr id="3" name="Picture 2 2">
             <a:extLst>
               <a:ext uri="{FF2B5EF4-FFF2-40B4-BE49-F238E27FC236}">
                 <a16:creationId xmlns:a16="http://schemas.microsoft.com/office/drawing/2014/main" id="{E79FD62C-C5CD-EE45-A6D4-E405F2B7DD37}"/>
@@ -4988,7 +4988,7 @@
         </p:blipFill>
         <p:spPr>
           <a:xfrm>
-            <a:off x="1169838" y="2402866"/>
+            <a:off x="971600" y="2434750"/>
             <a:ext cx="6745312" cy="935640"/>
           </a:xfrm>
           <a:prstGeom prst="rect">
@@ -4996,8 +4996,8 @@
           </a:prstGeom>
         </p:spPr>
       </p:pic>
-      <mc:AlternateContent xmlns:mc="http://schemas.openxmlformats.org/markup-compatibility/2006" xmlns:a14="http://schemas.microsoft.com/office/drawing/2010/main">
-        <mc:Choice Requires="a14">
+      <mc:AlternateContent xmlns:mc="http://schemas.openxmlformats.org/markup-compatibility/2006">
+        <mc:Choice xmlns:a14="http://schemas.microsoft.com/office/drawing/2010/main" Requires="a14">
           <p:sp>
             <p:nvSpPr>
               <p:cNvPr id="10" name="CasellaDiTesto 9">
@@ -5241,69 +5241,22 @@
                       </a:rPr>
                       <m:t>[</m:t>
                     </m:r>
-                    <m:f>
-                      <m:fPr>
-                        <m:type m:val="lin"/>
-                        <m:ctrlPr>
-                          <a:rPr lang="it-IT" sz="1800" i="1">
-                            <a:effectLst/>
-                            <a:latin typeface="Cambria Math" panose="02040503050406030204" pitchFamily="18" charset="0"/>
-                            <a:ea typeface="Times New Roman" panose="02020603050405020304" pitchFamily="18" charset="0"/>
-                          </a:rPr>
-                        </m:ctrlPr>
-                      </m:fPr>
-                      <m:num>
-                        <m:r>
-                          <a:rPr lang="en-GB" sz="1800" i="1">
-                            <a:effectLst/>
-                            <a:latin typeface="Cambria Math" panose="02040503050406030204" pitchFamily="18" charset="0"/>
-                            <a:ea typeface="Times New Roman" panose="02020603050405020304" pitchFamily="18" charset="0"/>
-                          </a:rPr>
-                          <m:t>𝑚</m:t>
-                        </m:r>
-                      </m:num>
-                      <m:den>
-                        <m:sSup>
-                          <m:sSupPr>
-                            <m:ctrlPr>
-                              <a:rPr lang="it-IT" sz="1800" i="1">
-                                <a:effectLst/>
-                                <a:latin typeface="Cambria Math" panose="02040503050406030204" pitchFamily="18" charset="0"/>
-                                <a:ea typeface="Times New Roman" panose="02020603050405020304" pitchFamily="18" charset="0"/>
-                              </a:rPr>
-                            </m:ctrlPr>
-                          </m:sSupPr>
-                          <m:e>
-                            <m:r>
-                              <a:rPr lang="en-GB" sz="1800" i="1">
-                                <a:effectLst/>
-                                <a:latin typeface="Cambria Math" panose="02040503050406030204" pitchFamily="18" charset="0"/>
-                                <a:ea typeface="Times New Roman" panose="02020603050405020304" pitchFamily="18" charset="0"/>
-                              </a:rPr>
-                              <m:t>𝑠</m:t>
-                            </m:r>
-                          </m:e>
-                          <m:sup>
-                            <m:r>
-                              <a:rPr lang="en-GB" sz="1800" i="1">
-                                <a:effectLst/>
-                                <a:latin typeface="Cambria Math" panose="02040503050406030204" pitchFamily="18" charset="0"/>
-                                <a:ea typeface="Times New Roman" panose="02020603050405020304" pitchFamily="18" charset="0"/>
-                              </a:rPr>
-                              <m:t>2</m:t>
-                            </m:r>
-                          </m:sup>
-                        </m:sSup>
-                        <m:r>
-                          <a:rPr lang="en-GB" sz="1800" i="1">
-                            <a:effectLst/>
-                            <a:latin typeface="Cambria Math" panose="02040503050406030204" pitchFamily="18" charset="0"/>
-                            <a:ea typeface="Times New Roman" panose="02020603050405020304" pitchFamily="18" charset="0"/>
-                          </a:rPr>
-                          <m:t>]</m:t>
-                        </m:r>
-                      </m:den>
-                    </m:f>
+                    <m:r>
+                      <a:rPr lang="it-IT" sz="1800" b="0" i="1" smtClean="0">
+                        <a:effectLst/>
+                        <a:latin typeface="Cambria Math" panose="02040503050406030204" pitchFamily="18" charset="0"/>
+                        <a:ea typeface="Times New Roman" panose="02020603050405020304" pitchFamily="18" charset="0"/>
+                      </a:rPr>
+                      <m:t>𝑁𝑚</m:t>
+                    </m:r>
+                    <m:r>
+                      <a:rPr lang="it-IT" sz="1800" b="0" i="1" smtClean="0">
+                        <a:effectLst/>
+                        <a:latin typeface="Cambria Math" panose="02040503050406030204" pitchFamily="18" charset="0"/>
+                        <a:ea typeface="Times New Roman" panose="02020603050405020304" pitchFamily="18" charset="0"/>
+                      </a:rPr>
+                      <m:t>]</m:t>
+                    </m:r>
                   </m:oMath>
                 </a14:m>
                 <a:r>
@@ -5593,7 +5546,7 @@
             </p:txBody>
           </p:sp>
         </mc:Choice>
-        <mc:Fallback xmlns="">
+        <mc:Fallback>
           <p:sp>
             <p:nvSpPr>
               <p:cNvPr id="10" name="CasellaDiTesto 9">
@@ -5619,7 +5572,7 @@
               <a:blipFill>
                 <a:blip r:embed="rId4"/>
                 <a:stretch>
-                  <a:fillRect l="-962" t="-16114" r="-1282" b="-2844"/>
+                  <a:fillRect l="-1082" t="-15982" r="-5873" b="-2740"/>
                 </a:stretch>
               </a:blipFill>
             </p:spPr>
@@ -5628,7 +5581,7 @@
               <a:lstStyle/>
               <a:p>
                 <a:r>
-                  <a:rPr lang="en-GB">
+                  <a:rPr lang="it-IT">
                     <a:noFill/>
                   </a:rPr>
                   <a:t> </a:t>
@@ -6434,7 +6387,7 @@
           <a:noFill/>
           <a:extLst>
             <a:ext uri="{909E8E84-426E-40dd-AFC4-6F175D3DCCD1}">
-              <a14:hiddenFill xmlns="" xmlns:a14="http://schemas.microsoft.com/office/drawing/2010/main">
+              <a14:hiddenFill xmlns:a14="http://schemas.microsoft.com/office/drawing/2010/main" xmlns="">
                 <a:solidFill>
                   <a:srgbClr val="FFFFFF"/>
                 </a:solidFill>
@@ -7539,12 +7492,12 @@
                       </m:e>
                       <m:sub>
                         <m:r>
-                          <a:rPr lang="en-US" b="0" i="1" smtClean="0">
+                          <a:rPr lang="it-IT" b="0" i="1" smtClean="0">
                             <a:latin typeface="Cambria Math" panose="02040503050406030204" pitchFamily="18" charset="0"/>
                             <a:ea typeface="Times New Roman" panose="02020603050405020304" pitchFamily="18" charset="0"/>
                             <a:cs typeface="Times New Roman" panose="02020603050405020304" pitchFamily="18" charset="0"/>
                           </a:rPr>
-                          <m:t>𝑓</m:t>
+                          <m:t>h</m:t>
                         </m:r>
                       </m:sub>
                     </m:sSub>
@@ -7853,7 +7806,7 @@
           <a:noFill/>
           <a:extLst>
             <a:ext uri="{909E8E84-426E-40dd-AFC4-6F175D3DCCD1}">
-              <a14:hiddenFill xmlns="" xmlns:a14="http://schemas.microsoft.com/office/drawing/2010/main">
+              <a14:hiddenFill xmlns:a14="http://schemas.microsoft.com/office/drawing/2010/main" xmlns="">
                 <a:solidFill>
                   <a:srgbClr val="FFFFFF"/>
                 </a:solidFill>
@@ -8683,21 +8636,6 @@
 </file>
 
 <file path=customXml/item1.xml><?xml version="1.0" encoding="utf-8"?>
-<p:properties xmlns:p="http://schemas.microsoft.com/office/2006/metadata/properties" xmlns:xsi="http://www.w3.org/2001/XMLSchema-instance" xmlns:pc="http://schemas.microsoft.com/office/infopath/2007/PartnerControls">
-  <documentManagement/>
-</p:properties>
-</file>
-
-<file path=customXml/item2.xml><?xml version="1.0" encoding="utf-8"?>
-<?mso-contentType ?>
-<FormTemplates xmlns="http://schemas.microsoft.com/sharepoint/v3/contenttype/forms">
-  <Display>DocumentLibraryForm</Display>
-  <Edit>DocumentLibraryForm</Edit>
-  <New>DocumentLibraryForm</New>
-</FormTemplates>
-</file>
-
-<file path=customXml/item3.xml><?xml version="1.0" encoding="utf-8"?>
 <ct:contentTypeSchema xmlns:ct="http://schemas.microsoft.com/office/2006/metadata/contentType" xmlns:ma="http://schemas.microsoft.com/office/2006/metadata/properties/metaAttributes" ct:_="" ma:_="" ma:contentTypeName="Documento" ma:contentTypeID="0x01010071C0B7096D586745A0E21BE1FA918595" ma:contentTypeVersion="4" ma:contentTypeDescription="Creare un nuovo documento." ma:contentTypeScope="" ma:versionID="14308229c047fe99022cb3b6503078e9">
   <xsd:schema xmlns:xsd="http://www.w3.org/2001/XMLSchema" xmlns:xs="http://www.w3.org/2001/XMLSchema" xmlns:p="http://schemas.microsoft.com/office/2006/metadata/properties" xmlns:ns2="7ab22180-8984-4d31-9fa2-3777855a25b5" targetNamespace="http://schemas.microsoft.com/office/2006/metadata/properties" ma:root="true" ma:fieldsID="4b2c19661699bf48a26c5bd950c3abcc" ns2:_="">
     <xsd:import namespace="7ab22180-8984-4d31-9fa2-3777855a25b5"/>
@@ -8841,24 +8779,22 @@
 </ct:contentTypeSchema>
 </file>
 
-<file path=customXml/itemProps1.xml><?xml version="1.0" encoding="utf-8"?>
-<ds:datastoreItem xmlns:ds="http://schemas.openxmlformats.org/officeDocument/2006/customXml" ds:itemID="{4614F402-BEE3-46BD-9C5C-A2AAC399B4F6}">
-  <ds:schemaRefs>
-    <ds:schemaRef ds:uri="http://schemas.microsoft.com/office/2006/metadata/properties"/>
-    <ds:schemaRef ds:uri="http://schemas.microsoft.com/office/infopath/2007/PartnerControls"/>
-  </ds:schemaRefs>
-</ds:datastoreItem>
+<file path=customXml/item2.xml><?xml version="1.0" encoding="utf-8"?>
+<?mso-contentType ?>
+<FormTemplates xmlns="http://schemas.microsoft.com/sharepoint/v3/contenttype/forms">
+  <Display>DocumentLibraryForm</Display>
+  <Edit>DocumentLibraryForm</Edit>
+  <New>DocumentLibraryForm</New>
+</FormTemplates>
 </file>
 
-<file path=customXml/itemProps2.xml><?xml version="1.0" encoding="utf-8"?>
-<ds:datastoreItem xmlns:ds="http://schemas.openxmlformats.org/officeDocument/2006/customXml" ds:itemID="{5580424F-2BD2-4CBC-9C94-ED9FC795164C}">
-  <ds:schemaRefs>
-    <ds:schemaRef ds:uri="http://schemas.microsoft.com/sharepoint/v3/contenttype/forms"/>
-  </ds:schemaRefs>
-</ds:datastoreItem>
+<file path=customXml/item3.xml><?xml version="1.0" encoding="utf-8"?>
+<p:properties xmlns:p="http://schemas.microsoft.com/office/2006/metadata/properties" xmlns:xsi="http://www.w3.org/2001/XMLSchema-instance" xmlns:pc="http://schemas.microsoft.com/office/infopath/2007/PartnerControls">
+  <documentManagement/>
+</p:properties>
 </file>
 
-<file path=customXml/itemProps3.xml><?xml version="1.0" encoding="utf-8"?>
+<file path=customXml/itemProps1.xml><?xml version="1.0" encoding="utf-8"?>
 <ds:datastoreItem xmlns:ds="http://schemas.openxmlformats.org/officeDocument/2006/customXml" ds:itemID="{3C74E410-4133-46AD-9AE0-D634474EB416}">
   <ds:schemaRefs>
     <ds:schemaRef ds:uri="http://schemas.microsoft.com/office/2006/metadata/contentType"/>
@@ -8874,4 +8810,21 @@
     <ds:schemaRef ds:uri="http://schemas.microsoft.com/internal/obd"/>
   </ds:schemaRefs>
 </ds:datastoreItem>
+</file>
+
+<file path=customXml/itemProps2.xml><?xml version="1.0" encoding="utf-8"?>
+<ds:datastoreItem xmlns:ds="http://schemas.openxmlformats.org/officeDocument/2006/customXml" ds:itemID="{5580424F-2BD2-4CBC-9C94-ED9FC795164C}">
+  <ds:schemaRefs>
+    <ds:schemaRef ds:uri="http://schemas.microsoft.com/sharepoint/v3/contenttype/forms"/>
+  </ds:schemaRefs>
+</ds:datastoreItem>
+</file>
+
+<file path=customXml/itemProps3.xml><?xml version="1.0" encoding="utf-8"?>
+<ds:datastoreItem xmlns:ds="http://schemas.openxmlformats.org/officeDocument/2006/customXml" ds:itemID="{4614F402-BEE3-46BD-9C5C-A2AAC399B4F6}">
+  <ds:schemaRefs>
+    <ds:schemaRef ds:uri="http://schemas.microsoft.com/office/2006/metadata/properties"/>
+    <ds:schemaRef ds:uri="http://schemas.microsoft.com/office/infopath/2007/PartnerControls"/>
+  </ds:schemaRefs>
+</ds:datastoreItem>
 </file>